--- a/ppt 16-9/1288.勤劳.pptx
+++ b/ppt 16-9/1288.勤劳.pptx
@@ -5,7 +5,7 @@
     <p:sldMasterId id="2147483648" r:id="rId1"/>
   </p:sldMasterIdLst>
   <p:sldIdLst>
-    <p:sldId id="837" r:id="rId2"/>
+    <p:sldId id="838" r:id="rId2"/>
   </p:sldIdLst>
   <p:sldSz cx="12192000" cy="6858000"/>
   <p:notesSz cx="6858000" cy="9144000"/>
@@ -129,7 +129,7 @@
           <p:cNvPr id="2" name="标题 1">
             <a:extLst>
               <a:ext uri="{FF2B5EF4-FFF2-40B4-BE49-F238E27FC236}">
-                <a16:creationId xmlns:a16="http://schemas.microsoft.com/office/drawing/2014/main" id="{F1BE0ED1-B773-8693-A25C-7C275164ED99}"/>
+                <a16:creationId xmlns:a16="http://schemas.microsoft.com/office/drawing/2014/main" id="{7FBDB10D-76A1-B527-3263-8815BDBCA58D}"/>
               </a:ext>
             </a:extLst>
           </p:cNvPr>
@@ -166,7 +166,7 @@
           <p:cNvPr id="3" name="副标题 2">
             <a:extLst>
               <a:ext uri="{FF2B5EF4-FFF2-40B4-BE49-F238E27FC236}">
-                <a16:creationId xmlns:a16="http://schemas.microsoft.com/office/drawing/2014/main" id="{668B3A25-B20E-DA8A-89DD-09F519D2308B}"/>
+                <a16:creationId xmlns:a16="http://schemas.microsoft.com/office/drawing/2014/main" id="{41FC775C-BD4B-2F5D-A479-C3234326A844}"/>
               </a:ext>
             </a:extLst>
           </p:cNvPr>
@@ -236,7 +236,7 @@
           <p:cNvPr id="4" name="日期占位符 3">
             <a:extLst>
               <a:ext uri="{FF2B5EF4-FFF2-40B4-BE49-F238E27FC236}">
-                <a16:creationId xmlns:a16="http://schemas.microsoft.com/office/drawing/2014/main" id="{DC20154E-980B-9DFA-A441-3EB4B2ACD1D9}"/>
+                <a16:creationId xmlns:a16="http://schemas.microsoft.com/office/drawing/2014/main" id="{FF9C809F-4063-3198-B64A-42E06136AB5C}"/>
               </a:ext>
             </a:extLst>
           </p:cNvPr>
@@ -252,7 +252,7 @@
           <a:bodyPr/>
           <a:lstStyle/>
           <a:p>
-            <a:fld id="{833E64B2-55BC-4857-8B2B-9A49999F1F88}" type="datetimeFigureOut">
+            <a:fld id="{FADC7C07-060B-49DE-8F53-2F9446A92542}" type="datetimeFigureOut">
               <a:rPr lang="zh-CN" altLang="en-US" smtClean="0"/>
               <a:t>2024/3/10</a:t>
             </a:fld>
@@ -265,7 +265,7 @@
           <p:cNvPr id="5" name="页脚占位符 4">
             <a:extLst>
               <a:ext uri="{FF2B5EF4-FFF2-40B4-BE49-F238E27FC236}">
-                <a16:creationId xmlns:a16="http://schemas.microsoft.com/office/drawing/2014/main" id="{C2FF1B75-7B46-1F31-3AA6-994120C35D70}"/>
+                <a16:creationId xmlns:a16="http://schemas.microsoft.com/office/drawing/2014/main" id="{43AE9E13-003A-F6E0-74ED-35468CE7A7A3}"/>
               </a:ext>
             </a:extLst>
           </p:cNvPr>
@@ -290,7 +290,7 @@
           <p:cNvPr id="6" name="灯片编号占位符 5">
             <a:extLst>
               <a:ext uri="{FF2B5EF4-FFF2-40B4-BE49-F238E27FC236}">
-                <a16:creationId xmlns:a16="http://schemas.microsoft.com/office/drawing/2014/main" id="{C38B199F-84EF-FFB1-D15D-C460C57243B0}"/>
+                <a16:creationId xmlns:a16="http://schemas.microsoft.com/office/drawing/2014/main" id="{0C2B9A26-53B4-5375-9FF0-67B9CC725E6C}"/>
               </a:ext>
             </a:extLst>
           </p:cNvPr>
@@ -306,7 +306,7 @@
           <a:bodyPr/>
           <a:lstStyle/>
           <a:p>
-            <a:fld id="{C4D7811D-3124-46E6-8EAD-BDF14FECC0F8}" type="slidenum">
+            <a:fld id="{E1AE1891-2D6A-4F36-9CC6-2A6D1F1964A1}" type="slidenum">
               <a:rPr lang="zh-CN" altLang="en-US" smtClean="0"/>
               <a:t>‹#›</a:t>
             </a:fld>
@@ -317,7 +317,7 @@
     </p:spTree>
     <p:extLst>
       <p:ext uri="{BB962C8B-B14F-4D97-AF65-F5344CB8AC3E}">
-        <p14:creationId xmlns:p14="http://schemas.microsoft.com/office/powerpoint/2010/main" val="2874757897"/>
+        <p14:creationId xmlns:p14="http://schemas.microsoft.com/office/powerpoint/2010/main" val="2954902583"/>
       </p:ext>
     </p:extLst>
   </p:cSld>
@@ -349,7 +349,7 @@
           <p:cNvPr id="2" name="标题 1">
             <a:extLst>
               <a:ext uri="{FF2B5EF4-FFF2-40B4-BE49-F238E27FC236}">
-                <a16:creationId xmlns:a16="http://schemas.microsoft.com/office/drawing/2014/main" id="{C0217F1E-D85B-6445-CD66-9DD7D959BE53}"/>
+                <a16:creationId xmlns:a16="http://schemas.microsoft.com/office/drawing/2014/main" id="{EBC435B7-B33C-5796-B266-EA62B9641987}"/>
               </a:ext>
             </a:extLst>
           </p:cNvPr>
@@ -377,7 +377,7 @@
           <p:cNvPr id="3" name="竖排文字占位符 2">
             <a:extLst>
               <a:ext uri="{FF2B5EF4-FFF2-40B4-BE49-F238E27FC236}">
-                <a16:creationId xmlns:a16="http://schemas.microsoft.com/office/drawing/2014/main" id="{2E15FEA1-EEA5-A745-D357-C74111B74E4B}"/>
+                <a16:creationId xmlns:a16="http://schemas.microsoft.com/office/drawing/2014/main" id="{50D0145A-98A9-19C6-380B-A7DC26D2B43B}"/>
               </a:ext>
             </a:extLst>
           </p:cNvPr>
@@ -434,7 +434,7 @@
           <p:cNvPr id="4" name="日期占位符 3">
             <a:extLst>
               <a:ext uri="{FF2B5EF4-FFF2-40B4-BE49-F238E27FC236}">
-                <a16:creationId xmlns:a16="http://schemas.microsoft.com/office/drawing/2014/main" id="{3A54CDA4-B3AD-CD2B-B230-EA9FADA084F1}"/>
+                <a16:creationId xmlns:a16="http://schemas.microsoft.com/office/drawing/2014/main" id="{A425F3D1-2C00-F464-2A49-10C0BD369825}"/>
               </a:ext>
             </a:extLst>
           </p:cNvPr>
@@ -450,7 +450,7 @@
           <a:bodyPr/>
           <a:lstStyle/>
           <a:p>
-            <a:fld id="{833E64B2-55BC-4857-8B2B-9A49999F1F88}" type="datetimeFigureOut">
+            <a:fld id="{FADC7C07-060B-49DE-8F53-2F9446A92542}" type="datetimeFigureOut">
               <a:rPr lang="zh-CN" altLang="en-US" smtClean="0"/>
               <a:t>2024/3/10</a:t>
             </a:fld>
@@ -463,7 +463,7 @@
           <p:cNvPr id="5" name="页脚占位符 4">
             <a:extLst>
               <a:ext uri="{FF2B5EF4-FFF2-40B4-BE49-F238E27FC236}">
-                <a16:creationId xmlns:a16="http://schemas.microsoft.com/office/drawing/2014/main" id="{1EF00633-F604-AB0B-267C-9930D91D2121}"/>
+                <a16:creationId xmlns:a16="http://schemas.microsoft.com/office/drawing/2014/main" id="{9CD982AC-50B0-2B13-A6E7-51B8CEBB6FE5}"/>
               </a:ext>
             </a:extLst>
           </p:cNvPr>
@@ -488,7 +488,7 @@
           <p:cNvPr id="6" name="灯片编号占位符 5">
             <a:extLst>
               <a:ext uri="{FF2B5EF4-FFF2-40B4-BE49-F238E27FC236}">
-                <a16:creationId xmlns:a16="http://schemas.microsoft.com/office/drawing/2014/main" id="{90940F8C-E598-312F-C09A-654FAC2ED9E9}"/>
+                <a16:creationId xmlns:a16="http://schemas.microsoft.com/office/drawing/2014/main" id="{05BE1D07-7D80-AEF2-118F-68605CF37EDB}"/>
               </a:ext>
             </a:extLst>
           </p:cNvPr>
@@ -504,7 +504,7 @@
           <a:bodyPr/>
           <a:lstStyle/>
           <a:p>
-            <a:fld id="{C4D7811D-3124-46E6-8EAD-BDF14FECC0F8}" type="slidenum">
+            <a:fld id="{E1AE1891-2D6A-4F36-9CC6-2A6D1F1964A1}" type="slidenum">
               <a:rPr lang="zh-CN" altLang="en-US" smtClean="0"/>
               <a:t>‹#›</a:t>
             </a:fld>
@@ -515,7 +515,7 @@
     </p:spTree>
     <p:extLst>
       <p:ext uri="{BB962C8B-B14F-4D97-AF65-F5344CB8AC3E}">
-        <p14:creationId xmlns:p14="http://schemas.microsoft.com/office/powerpoint/2010/main" val="2349573007"/>
+        <p14:creationId xmlns:p14="http://schemas.microsoft.com/office/powerpoint/2010/main" val="365891972"/>
       </p:ext>
     </p:extLst>
   </p:cSld>
@@ -547,7 +547,7 @@
           <p:cNvPr id="2" name="竖排标题 1">
             <a:extLst>
               <a:ext uri="{FF2B5EF4-FFF2-40B4-BE49-F238E27FC236}">
-                <a16:creationId xmlns:a16="http://schemas.microsoft.com/office/drawing/2014/main" id="{DCCD4DF3-2191-B71B-F792-025A373F05F4}"/>
+                <a16:creationId xmlns:a16="http://schemas.microsoft.com/office/drawing/2014/main" id="{71D87256-7053-6720-5E73-9C8E41B756B6}"/>
               </a:ext>
             </a:extLst>
           </p:cNvPr>
@@ -580,7 +580,7 @@
           <p:cNvPr id="3" name="竖排文字占位符 2">
             <a:extLst>
               <a:ext uri="{FF2B5EF4-FFF2-40B4-BE49-F238E27FC236}">
-                <a16:creationId xmlns:a16="http://schemas.microsoft.com/office/drawing/2014/main" id="{D4F2DC76-700B-537B-A848-B62E0D6A1DAE}"/>
+                <a16:creationId xmlns:a16="http://schemas.microsoft.com/office/drawing/2014/main" id="{9D02A034-C283-FB69-4F2F-E4136C47B067}"/>
               </a:ext>
             </a:extLst>
           </p:cNvPr>
@@ -642,7 +642,7 @@
           <p:cNvPr id="4" name="日期占位符 3">
             <a:extLst>
               <a:ext uri="{FF2B5EF4-FFF2-40B4-BE49-F238E27FC236}">
-                <a16:creationId xmlns:a16="http://schemas.microsoft.com/office/drawing/2014/main" id="{8F621B7C-3D72-DF72-4C65-996135265262}"/>
+                <a16:creationId xmlns:a16="http://schemas.microsoft.com/office/drawing/2014/main" id="{44182AD8-F1B1-5E4D-7A7C-2B3CF688EA87}"/>
               </a:ext>
             </a:extLst>
           </p:cNvPr>
@@ -658,7 +658,7 @@
           <a:bodyPr/>
           <a:lstStyle/>
           <a:p>
-            <a:fld id="{833E64B2-55BC-4857-8B2B-9A49999F1F88}" type="datetimeFigureOut">
+            <a:fld id="{FADC7C07-060B-49DE-8F53-2F9446A92542}" type="datetimeFigureOut">
               <a:rPr lang="zh-CN" altLang="en-US" smtClean="0"/>
               <a:t>2024/3/10</a:t>
             </a:fld>
@@ -671,7 +671,7 @@
           <p:cNvPr id="5" name="页脚占位符 4">
             <a:extLst>
               <a:ext uri="{FF2B5EF4-FFF2-40B4-BE49-F238E27FC236}">
-                <a16:creationId xmlns:a16="http://schemas.microsoft.com/office/drawing/2014/main" id="{C0134F39-4400-30D2-2AD0-F05431030556}"/>
+                <a16:creationId xmlns:a16="http://schemas.microsoft.com/office/drawing/2014/main" id="{3AD8FB92-D3E5-49C3-D1DC-6D6F737F5B41}"/>
               </a:ext>
             </a:extLst>
           </p:cNvPr>
@@ -696,7 +696,7 @@
           <p:cNvPr id="6" name="灯片编号占位符 5">
             <a:extLst>
               <a:ext uri="{FF2B5EF4-FFF2-40B4-BE49-F238E27FC236}">
-                <a16:creationId xmlns:a16="http://schemas.microsoft.com/office/drawing/2014/main" id="{38D5A805-44BD-1EBE-8CC7-1AA82C0E8235}"/>
+                <a16:creationId xmlns:a16="http://schemas.microsoft.com/office/drawing/2014/main" id="{5207F535-7389-F224-3F5A-FA0EE2D554FA}"/>
               </a:ext>
             </a:extLst>
           </p:cNvPr>
@@ -712,7 +712,7 @@
           <a:bodyPr/>
           <a:lstStyle/>
           <a:p>
-            <a:fld id="{C4D7811D-3124-46E6-8EAD-BDF14FECC0F8}" type="slidenum">
+            <a:fld id="{E1AE1891-2D6A-4F36-9CC6-2A6D1F1964A1}" type="slidenum">
               <a:rPr lang="zh-CN" altLang="en-US" smtClean="0"/>
               <a:t>‹#›</a:t>
             </a:fld>
@@ -723,7 +723,7 @@
     </p:spTree>
     <p:extLst>
       <p:ext uri="{BB962C8B-B14F-4D97-AF65-F5344CB8AC3E}">
-        <p14:creationId xmlns:p14="http://schemas.microsoft.com/office/powerpoint/2010/main" val="680292607"/>
+        <p14:creationId xmlns:p14="http://schemas.microsoft.com/office/powerpoint/2010/main" val="1495410924"/>
       </p:ext>
     </p:extLst>
   </p:cSld>
@@ -755,7 +755,7 @@
           <p:cNvPr id="2" name="标题 1">
             <a:extLst>
               <a:ext uri="{FF2B5EF4-FFF2-40B4-BE49-F238E27FC236}">
-                <a16:creationId xmlns:a16="http://schemas.microsoft.com/office/drawing/2014/main" id="{639AFA1A-0F92-A7B6-4925-345E8DF2FFC5}"/>
+                <a16:creationId xmlns:a16="http://schemas.microsoft.com/office/drawing/2014/main" id="{52EB0C85-C9AE-028F-7666-2A8002D40A81}"/>
               </a:ext>
             </a:extLst>
           </p:cNvPr>
@@ -783,7 +783,7 @@
           <p:cNvPr id="3" name="内容占位符 2">
             <a:extLst>
               <a:ext uri="{FF2B5EF4-FFF2-40B4-BE49-F238E27FC236}">
-                <a16:creationId xmlns:a16="http://schemas.microsoft.com/office/drawing/2014/main" id="{C1ECA35A-EDF9-01E8-F89A-D901D66CFF47}"/>
+                <a16:creationId xmlns:a16="http://schemas.microsoft.com/office/drawing/2014/main" id="{1C22F18B-8102-DB69-4683-370C72E86DCD}"/>
               </a:ext>
             </a:extLst>
           </p:cNvPr>
@@ -840,7 +840,7 @@
           <p:cNvPr id="4" name="日期占位符 3">
             <a:extLst>
               <a:ext uri="{FF2B5EF4-FFF2-40B4-BE49-F238E27FC236}">
-                <a16:creationId xmlns:a16="http://schemas.microsoft.com/office/drawing/2014/main" id="{42A76641-AA2B-61E4-E118-2F461F10A6CC}"/>
+                <a16:creationId xmlns:a16="http://schemas.microsoft.com/office/drawing/2014/main" id="{97C0C8AB-6ED0-92E2-0B3B-EE14E52CE7BC}"/>
               </a:ext>
             </a:extLst>
           </p:cNvPr>
@@ -856,7 +856,7 @@
           <a:bodyPr/>
           <a:lstStyle/>
           <a:p>
-            <a:fld id="{833E64B2-55BC-4857-8B2B-9A49999F1F88}" type="datetimeFigureOut">
+            <a:fld id="{FADC7C07-060B-49DE-8F53-2F9446A92542}" type="datetimeFigureOut">
               <a:rPr lang="zh-CN" altLang="en-US" smtClean="0"/>
               <a:t>2024/3/10</a:t>
             </a:fld>
@@ -869,7 +869,7 @@
           <p:cNvPr id="5" name="页脚占位符 4">
             <a:extLst>
               <a:ext uri="{FF2B5EF4-FFF2-40B4-BE49-F238E27FC236}">
-                <a16:creationId xmlns:a16="http://schemas.microsoft.com/office/drawing/2014/main" id="{FF5828F7-7116-CD97-6430-BACD857ECD18}"/>
+                <a16:creationId xmlns:a16="http://schemas.microsoft.com/office/drawing/2014/main" id="{1032A97F-A7DE-715C-10E1-11CC66C3C23F}"/>
               </a:ext>
             </a:extLst>
           </p:cNvPr>
@@ -894,7 +894,7 @@
           <p:cNvPr id="6" name="灯片编号占位符 5">
             <a:extLst>
               <a:ext uri="{FF2B5EF4-FFF2-40B4-BE49-F238E27FC236}">
-                <a16:creationId xmlns:a16="http://schemas.microsoft.com/office/drawing/2014/main" id="{15F85B47-59B8-9862-3DBD-623316494CBA}"/>
+                <a16:creationId xmlns:a16="http://schemas.microsoft.com/office/drawing/2014/main" id="{A5945CF2-6BFD-FA31-802A-D64135D219BE}"/>
               </a:ext>
             </a:extLst>
           </p:cNvPr>
@@ -910,7 +910,7 @@
           <a:bodyPr/>
           <a:lstStyle/>
           <a:p>
-            <a:fld id="{C4D7811D-3124-46E6-8EAD-BDF14FECC0F8}" type="slidenum">
+            <a:fld id="{E1AE1891-2D6A-4F36-9CC6-2A6D1F1964A1}" type="slidenum">
               <a:rPr lang="zh-CN" altLang="en-US" smtClean="0"/>
               <a:t>‹#›</a:t>
             </a:fld>
@@ -921,7 +921,7 @@
     </p:spTree>
     <p:extLst>
       <p:ext uri="{BB962C8B-B14F-4D97-AF65-F5344CB8AC3E}">
-        <p14:creationId xmlns:p14="http://schemas.microsoft.com/office/powerpoint/2010/main" val="2621916938"/>
+        <p14:creationId xmlns:p14="http://schemas.microsoft.com/office/powerpoint/2010/main" val="2232878270"/>
       </p:ext>
     </p:extLst>
   </p:cSld>
@@ -953,7 +953,7 @@
           <p:cNvPr id="2" name="标题 1">
             <a:extLst>
               <a:ext uri="{FF2B5EF4-FFF2-40B4-BE49-F238E27FC236}">
-                <a16:creationId xmlns:a16="http://schemas.microsoft.com/office/drawing/2014/main" id="{9639EDDB-38D2-3D99-BD35-129364A5A967}"/>
+                <a16:creationId xmlns:a16="http://schemas.microsoft.com/office/drawing/2014/main" id="{6F9AB7EF-2CAE-7396-8949-BD86316F0262}"/>
               </a:ext>
             </a:extLst>
           </p:cNvPr>
@@ -990,7 +990,7 @@
           <p:cNvPr id="3" name="文本占位符 2">
             <a:extLst>
               <a:ext uri="{FF2B5EF4-FFF2-40B4-BE49-F238E27FC236}">
-                <a16:creationId xmlns:a16="http://schemas.microsoft.com/office/drawing/2014/main" id="{4CC226BF-BF0A-8CB3-E538-15CAD5913A41}"/>
+                <a16:creationId xmlns:a16="http://schemas.microsoft.com/office/drawing/2014/main" id="{6A462A12-92D0-C70C-A603-3D439D411769}"/>
               </a:ext>
             </a:extLst>
           </p:cNvPr>
@@ -1115,7 +1115,7 @@
           <p:cNvPr id="4" name="日期占位符 3">
             <a:extLst>
               <a:ext uri="{FF2B5EF4-FFF2-40B4-BE49-F238E27FC236}">
-                <a16:creationId xmlns:a16="http://schemas.microsoft.com/office/drawing/2014/main" id="{DFE310CB-AC87-A96A-DCB1-FE434DE9A267}"/>
+                <a16:creationId xmlns:a16="http://schemas.microsoft.com/office/drawing/2014/main" id="{37D574BB-FE40-8ADF-97FB-18BAA8816A62}"/>
               </a:ext>
             </a:extLst>
           </p:cNvPr>
@@ -1131,7 +1131,7 @@
           <a:bodyPr/>
           <a:lstStyle/>
           <a:p>
-            <a:fld id="{833E64B2-55BC-4857-8B2B-9A49999F1F88}" type="datetimeFigureOut">
+            <a:fld id="{FADC7C07-060B-49DE-8F53-2F9446A92542}" type="datetimeFigureOut">
               <a:rPr lang="zh-CN" altLang="en-US" smtClean="0"/>
               <a:t>2024/3/10</a:t>
             </a:fld>
@@ -1144,7 +1144,7 @@
           <p:cNvPr id="5" name="页脚占位符 4">
             <a:extLst>
               <a:ext uri="{FF2B5EF4-FFF2-40B4-BE49-F238E27FC236}">
-                <a16:creationId xmlns:a16="http://schemas.microsoft.com/office/drawing/2014/main" id="{AD2A5DCC-53C7-AF9F-ECF0-0FD7822AAE0F}"/>
+                <a16:creationId xmlns:a16="http://schemas.microsoft.com/office/drawing/2014/main" id="{E206F77B-5659-3A1A-FE84-16C9BF3832AC}"/>
               </a:ext>
             </a:extLst>
           </p:cNvPr>
@@ -1169,7 +1169,7 @@
           <p:cNvPr id="6" name="灯片编号占位符 5">
             <a:extLst>
               <a:ext uri="{FF2B5EF4-FFF2-40B4-BE49-F238E27FC236}">
-                <a16:creationId xmlns:a16="http://schemas.microsoft.com/office/drawing/2014/main" id="{F6FC4409-59AF-2DEA-5F38-6582F8B26178}"/>
+                <a16:creationId xmlns:a16="http://schemas.microsoft.com/office/drawing/2014/main" id="{1B7DE58D-5FFD-F23C-45FD-D6F93DE63641}"/>
               </a:ext>
             </a:extLst>
           </p:cNvPr>
@@ -1185,7 +1185,7 @@
           <a:bodyPr/>
           <a:lstStyle/>
           <a:p>
-            <a:fld id="{C4D7811D-3124-46E6-8EAD-BDF14FECC0F8}" type="slidenum">
+            <a:fld id="{E1AE1891-2D6A-4F36-9CC6-2A6D1F1964A1}" type="slidenum">
               <a:rPr lang="zh-CN" altLang="en-US" smtClean="0"/>
               <a:t>‹#›</a:t>
             </a:fld>
@@ -1196,7 +1196,7 @@
     </p:spTree>
     <p:extLst>
       <p:ext uri="{BB962C8B-B14F-4D97-AF65-F5344CB8AC3E}">
-        <p14:creationId xmlns:p14="http://schemas.microsoft.com/office/powerpoint/2010/main" val="3364462955"/>
+        <p14:creationId xmlns:p14="http://schemas.microsoft.com/office/powerpoint/2010/main" val="4017469237"/>
       </p:ext>
     </p:extLst>
   </p:cSld>
@@ -1228,7 +1228,7 @@
           <p:cNvPr id="2" name="标题 1">
             <a:extLst>
               <a:ext uri="{FF2B5EF4-FFF2-40B4-BE49-F238E27FC236}">
-                <a16:creationId xmlns:a16="http://schemas.microsoft.com/office/drawing/2014/main" id="{4A90DCBA-8FF0-881C-FFCA-66C198B1241F}"/>
+                <a16:creationId xmlns:a16="http://schemas.microsoft.com/office/drawing/2014/main" id="{05ECE596-50EE-5C42-1C82-43338CAE140F}"/>
               </a:ext>
             </a:extLst>
           </p:cNvPr>
@@ -1256,7 +1256,7 @@
           <p:cNvPr id="3" name="内容占位符 2">
             <a:extLst>
               <a:ext uri="{FF2B5EF4-FFF2-40B4-BE49-F238E27FC236}">
-                <a16:creationId xmlns:a16="http://schemas.microsoft.com/office/drawing/2014/main" id="{A99F0C0D-4D4F-436C-E9BF-582DE7E8A48B}"/>
+                <a16:creationId xmlns:a16="http://schemas.microsoft.com/office/drawing/2014/main" id="{E9086B6A-4781-491C-069A-1729CA36454A}"/>
               </a:ext>
             </a:extLst>
           </p:cNvPr>
@@ -1318,7 +1318,7 @@
           <p:cNvPr id="4" name="内容占位符 3">
             <a:extLst>
               <a:ext uri="{FF2B5EF4-FFF2-40B4-BE49-F238E27FC236}">
-                <a16:creationId xmlns:a16="http://schemas.microsoft.com/office/drawing/2014/main" id="{127F855D-A4BB-40BD-4CBC-C385B0402ADA}"/>
+                <a16:creationId xmlns:a16="http://schemas.microsoft.com/office/drawing/2014/main" id="{E5E85617-60C9-4D8C-C7D2-BFB6A11391A7}"/>
               </a:ext>
             </a:extLst>
           </p:cNvPr>
@@ -1380,7 +1380,7 @@
           <p:cNvPr id="5" name="日期占位符 4">
             <a:extLst>
               <a:ext uri="{FF2B5EF4-FFF2-40B4-BE49-F238E27FC236}">
-                <a16:creationId xmlns:a16="http://schemas.microsoft.com/office/drawing/2014/main" id="{C9FCBD06-6CCB-E51A-34F9-5CDFA3E8AB5E}"/>
+                <a16:creationId xmlns:a16="http://schemas.microsoft.com/office/drawing/2014/main" id="{018AEC73-F522-0418-E42B-2C0411CEA1C6}"/>
               </a:ext>
             </a:extLst>
           </p:cNvPr>
@@ -1396,7 +1396,7 @@
           <a:bodyPr/>
           <a:lstStyle/>
           <a:p>
-            <a:fld id="{833E64B2-55BC-4857-8B2B-9A49999F1F88}" type="datetimeFigureOut">
+            <a:fld id="{FADC7C07-060B-49DE-8F53-2F9446A92542}" type="datetimeFigureOut">
               <a:rPr lang="zh-CN" altLang="en-US" smtClean="0"/>
               <a:t>2024/3/10</a:t>
             </a:fld>
@@ -1409,7 +1409,7 @@
           <p:cNvPr id="6" name="页脚占位符 5">
             <a:extLst>
               <a:ext uri="{FF2B5EF4-FFF2-40B4-BE49-F238E27FC236}">
-                <a16:creationId xmlns:a16="http://schemas.microsoft.com/office/drawing/2014/main" id="{EC96D0D1-EF30-516D-F43D-39726A5E7322}"/>
+                <a16:creationId xmlns:a16="http://schemas.microsoft.com/office/drawing/2014/main" id="{1C1A2BB2-0BFA-CDBC-B385-F912EBA0A842}"/>
               </a:ext>
             </a:extLst>
           </p:cNvPr>
@@ -1434,7 +1434,7 @@
           <p:cNvPr id="7" name="灯片编号占位符 6">
             <a:extLst>
               <a:ext uri="{FF2B5EF4-FFF2-40B4-BE49-F238E27FC236}">
-                <a16:creationId xmlns:a16="http://schemas.microsoft.com/office/drawing/2014/main" id="{8D6C5B9E-17BD-D442-7F63-F319D2D435D0}"/>
+                <a16:creationId xmlns:a16="http://schemas.microsoft.com/office/drawing/2014/main" id="{A69A3FD7-E8B5-72E7-31B8-AF9200F15A1D}"/>
               </a:ext>
             </a:extLst>
           </p:cNvPr>
@@ -1450,7 +1450,7 @@
           <a:bodyPr/>
           <a:lstStyle/>
           <a:p>
-            <a:fld id="{C4D7811D-3124-46E6-8EAD-BDF14FECC0F8}" type="slidenum">
+            <a:fld id="{E1AE1891-2D6A-4F36-9CC6-2A6D1F1964A1}" type="slidenum">
               <a:rPr lang="zh-CN" altLang="en-US" smtClean="0"/>
               <a:t>‹#›</a:t>
             </a:fld>
@@ -1461,7 +1461,7 @@
     </p:spTree>
     <p:extLst>
       <p:ext uri="{BB962C8B-B14F-4D97-AF65-F5344CB8AC3E}">
-        <p14:creationId xmlns:p14="http://schemas.microsoft.com/office/powerpoint/2010/main" val="1303451533"/>
+        <p14:creationId xmlns:p14="http://schemas.microsoft.com/office/powerpoint/2010/main" val="2908758610"/>
       </p:ext>
     </p:extLst>
   </p:cSld>
@@ -1493,7 +1493,7 @@
           <p:cNvPr id="2" name="标题 1">
             <a:extLst>
               <a:ext uri="{FF2B5EF4-FFF2-40B4-BE49-F238E27FC236}">
-                <a16:creationId xmlns:a16="http://schemas.microsoft.com/office/drawing/2014/main" id="{627CC60A-8F25-6621-D836-AFEBCEA781D8}"/>
+                <a16:creationId xmlns:a16="http://schemas.microsoft.com/office/drawing/2014/main" id="{0A3E9168-5B9F-7220-C6DC-23C0F89BC209}"/>
               </a:ext>
             </a:extLst>
           </p:cNvPr>
@@ -1526,7 +1526,7 @@
           <p:cNvPr id="3" name="文本占位符 2">
             <a:extLst>
               <a:ext uri="{FF2B5EF4-FFF2-40B4-BE49-F238E27FC236}">
-                <a16:creationId xmlns:a16="http://schemas.microsoft.com/office/drawing/2014/main" id="{CAE249BA-4AA7-882D-5DF4-EE16C36E55B8}"/>
+                <a16:creationId xmlns:a16="http://schemas.microsoft.com/office/drawing/2014/main" id="{FE4D874C-55F5-7DEE-3756-AC33549BB306}"/>
               </a:ext>
             </a:extLst>
           </p:cNvPr>
@@ -1597,7 +1597,7 @@
           <p:cNvPr id="4" name="内容占位符 3">
             <a:extLst>
               <a:ext uri="{FF2B5EF4-FFF2-40B4-BE49-F238E27FC236}">
-                <a16:creationId xmlns:a16="http://schemas.microsoft.com/office/drawing/2014/main" id="{6F8B5871-7F92-F8F9-DFD2-AC6E4CA1C34B}"/>
+                <a16:creationId xmlns:a16="http://schemas.microsoft.com/office/drawing/2014/main" id="{1410F3BB-6A24-99BC-E90F-FEE3700E23AF}"/>
               </a:ext>
             </a:extLst>
           </p:cNvPr>
@@ -1659,7 +1659,7 @@
           <p:cNvPr id="5" name="文本占位符 4">
             <a:extLst>
               <a:ext uri="{FF2B5EF4-FFF2-40B4-BE49-F238E27FC236}">
-                <a16:creationId xmlns:a16="http://schemas.microsoft.com/office/drawing/2014/main" id="{5BA8AA7C-58D2-BC94-334C-C48A51CF6AF0}"/>
+                <a16:creationId xmlns:a16="http://schemas.microsoft.com/office/drawing/2014/main" id="{B89192BA-6828-48C5-6EBE-ED0758B7AAD4}"/>
               </a:ext>
             </a:extLst>
           </p:cNvPr>
@@ -1730,7 +1730,7 @@
           <p:cNvPr id="6" name="内容占位符 5">
             <a:extLst>
               <a:ext uri="{FF2B5EF4-FFF2-40B4-BE49-F238E27FC236}">
-                <a16:creationId xmlns:a16="http://schemas.microsoft.com/office/drawing/2014/main" id="{493F810E-C4F7-4FB8-5A78-A2F9ECF17251}"/>
+                <a16:creationId xmlns:a16="http://schemas.microsoft.com/office/drawing/2014/main" id="{DDD7D752-B0A2-F409-CC08-9FD17BEB3B53}"/>
               </a:ext>
             </a:extLst>
           </p:cNvPr>
@@ -1792,7 +1792,7 @@
           <p:cNvPr id="7" name="日期占位符 6">
             <a:extLst>
               <a:ext uri="{FF2B5EF4-FFF2-40B4-BE49-F238E27FC236}">
-                <a16:creationId xmlns:a16="http://schemas.microsoft.com/office/drawing/2014/main" id="{C7CD10DE-5D82-6301-2DC9-08A6AC02D5CD}"/>
+                <a16:creationId xmlns:a16="http://schemas.microsoft.com/office/drawing/2014/main" id="{EBCA3B09-DAC0-9874-5832-FD201ECE4D1E}"/>
               </a:ext>
             </a:extLst>
           </p:cNvPr>
@@ -1808,7 +1808,7 @@
           <a:bodyPr/>
           <a:lstStyle/>
           <a:p>
-            <a:fld id="{833E64B2-55BC-4857-8B2B-9A49999F1F88}" type="datetimeFigureOut">
+            <a:fld id="{FADC7C07-060B-49DE-8F53-2F9446A92542}" type="datetimeFigureOut">
               <a:rPr lang="zh-CN" altLang="en-US" smtClean="0"/>
               <a:t>2024/3/10</a:t>
             </a:fld>
@@ -1821,7 +1821,7 @@
           <p:cNvPr id="8" name="页脚占位符 7">
             <a:extLst>
               <a:ext uri="{FF2B5EF4-FFF2-40B4-BE49-F238E27FC236}">
-                <a16:creationId xmlns:a16="http://schemas.microsoft.com/office/drawing/2014/main" id="{03AFFA46-88CA-57E9-64BA-4B4C5E9DAFD7}"/>
+                <a16:creationId xmlns:a16="http://schemas.microsoft.com/office/drawing/2014/main" id="{1B37A800-3104-7186-F1DA-0DBFEF2BB9BD}"/>
               </a:ext>
             </a:extLst>
           </p:cNvPr>
@@ -1846,7 +1846,7 @@
           <p:cNvPr id="9" name="灯片编号占位符 8">
             <a:extLst>
               <a:ext uri="{FF2B5EF4-FFF2-40B4-BE49-F238E27FC236}">
-                <a16:creationId xmlns:a16="http://schemas.microsoft.com/office/drawing/2014/main" id="{556375E6-03D0-006A-F457-5F47EFB8240A}"/>
+                <a16:creationId xmlns:a16="http://schemas.microsoft.com/office/drawing/2014/main" id="{B63A04C5-9683-A98C-88EB-ABF1F66D5571}"/>
               </a:ext>
             </a:extLst>
           </p:cNvPr>
@@ -1862,7 +1862,7 @@
           <a:bodyPr/>
           <a:lstStyle/>
           <a:p>
-            <a:fld id="{C4D7811D-3124-46E6-8EAD-BDF14FECC0F8}" type="slidenum">
+            <a:fld id="{E1AE1891-2D6A-4F36-9CC6-2A6D1F1964A1}" type="slidenum">
               <a:rPr lang="zh-CN" altLang="en-US" smtClean="0"/>
               <a:t>‹#›</a:t>
             </a:fld>
@@ -1873,7 +1873,7 @@
     </p:spTree>
     <p:extLst>
       <p:ext uri="{BB962C8B-B14F-4D97-AF65-F5344CB8AC3E}">
-        <p14:creationId xmlns:p14="http://schemas.microsoft.com/office/powerpoint/2010/main" val="10412430"/>
+        <p14:creationId xmlns:p14="http://schemas.microsoft.com/office/powerpoint/2010/main" val="773688536"/>
       </p:ext>
     </p:extLst>
   </p:cSld>
@@ -1905,7 +1905,7 @@
           <p:cNvPr id="2" name="标题 1">
             <a:extLst>
               <a:ext uri="{FF2B5EF4-FFF2-40B4-BE49-F238E27FC236}">
-                <a16:creationId xmlns:a16="http://schemas.microsoft.com/office/drawing/2014/main" id="{1074377B-4770-5BB8-4575-7865A8DC002C}"/>
+                <a16:creationId xmlns:a16="http://schemas.microsoft.com/office/drawing/2014/main" id="{E461BB4E-2A53-CDA1-0B09-9C4DCFA8689F}"/>
               </a:ext>
             </a:extLst>
           </p:cNvPr>
@@ -1933,7 +1933,7 @@
           <p:cNvPr id="3" name="日期占位符 2">
             <a:extLst>
               <a:ext uri="{FF2B5EF4-FFF2-40B4-BE49-F238E27FC236}">
-                <a16:creationId xmlns:a16="http://schemas.microsoft.com/office/drawing/2014/main" id="{E28877C7-286B-3BE8-39CD-2325CDE417E1}"/>
+                <a16:creationId xmlns:a16="http://schemas.microsoft.com/office/drawing/2014/main" id="{CDBFA09D-6655-8191-3429-CA7889ECD1DA}"/>
               </a:ext>
             </a:extLst>
           </p:cNvPr>
@@ -1949,7 +1949,7 @@
           <a:bodyPr/>
           <a:lstStyle/>
           <a:p>
-            <a:fld id="{833E64B2-55BC-4857-8B2B-9A49999F1F88}" type="datetimeFigureOut">
+            <a:fld id="{FADC7C07-060B-49DE-8F53-2F9446A92542}" type="datetimeFigureOut">
               <a:rPr lang="zh-CN" altLang="en-US" smtClean="0"/>
               <a:t>2024/3/10</a:t>
             </a:fld>
@@ -1962,7 +1962,7 @@
           <p:cNvPr id="4" name="页脚占位符 3">
             <a:extLst>
               <a:ext uri="{FF2B5EF4-FFF2-40B4-BE49-F238E27FC236}">
-                <a16:creationId xmlns:a16="http://schemas.microsoft.com/office/drawing/2014/main" id="{E0A29C5C-0E6A-E0B9-B234-65D5415143EA}"/>
+                <a16:creationId xmlns:a16="http://schemas.microsoft.com/office/drawing/2014/main" id="{6EE356D7-FF0E-FEDA-2792-12A29DF6D47C}"/>
               </a:ext>
             </a:extLst>
           </p:cNvPr>
@@ -1987,7 +1987,7 @@
           <p:cNvPr id="5" name="灯片编号占位符 4">
             <a:extLst>
               <a:ext uri="{FF2B5EF4-FFF2-40B4-BE49-F238E27FC236}">
-                <a16:creationId xmlns:a16="http://schemas.microsoft.com/office/drawing/2014/main" id="{20984A31-CEBC-DA64-4E36-0D3E17A3EB21}"/>
+                <a16:creationId xmlns:a16="http://schemas.microsoft.com/office/drawing/2014/main" id="{7C60E486-DB9A-4416-17FB-88EB16EA3F05}"/>
               </a:ext>
             </a:extLst>
           </p:cNvPr>
@@ -2003,7 +2003,7 @@
           <a:bodyPr/>
           <a:lstStyle/>
           <a:p>
-            <a:fld id="{C4D7811D-3124-46E6-8EAD-BDF14FECC0F8}" type="slidenum">
+            <a:fld id="{E1AE1891-2D6A-4F36-9CC6-2A6D1F1964A1}" type="slidenum">
               <a:rPr lang="zh-CN" altLang="en-US" smtClean="0"/>
               <a:t>‹#›</a:t>
             </a:fld>
@@ -2014,7 +2014,7 @@
     </p:spTree>
     <p:extLst>
       <p:ext uri="{BB962C8B-B14F-4D97-AF65-F5344CB8AC3E}">
-        <p14:creationId xmlns:p14="http://schemas.microsoft.com/office/powerpoint/2010/main" val="726567363"/>
+        <p14:creationId xmlns:p14="http://schemas.microsoft.com/office/powerpoint/2010/main" val="4226449811"/>
       </p:ext>
     </p:extLst>
   </p:cSld>
@@ -2046,7 +2046,7 @@
           <p:cNvPr id="2" name="日期占位符 1">
             <a:extLst>
               <a:ext uri="{FF2B5EF4-FFF2-40B4-BE49-F238E27FC236}">
-                <a16:creationId xmlns:a16="http://schemas.microsoft.com/office/drawing/2014/main" id="{EF57B3A7-5541-179F-951E-D7FBDFE34E6A}"/>
+                <a16:creationId xmlns:a16="http://schemas.microsoft.com/office/drawing/2014/main" id="{C0B1BBF3-2455-C7CE-9A56-1F55FC4A645D}"/>
               </a:ext>
             </a:extLst>
           </p:cNvPr>
@@ -2062,7 +2062,7 @@
           <a:bodyPr/>
           <a:lstStyle/>
           <a:p>
-            <a:fld id="{833E64B2-55BC-4857-8B2B-9A49999F1F88}" type="datetimeFigureOut">
+            <a:fld id="{FADC7C07-060B-49DE-8F53-2F9446A92542}" type="datetimeFigureOut">
               <a:rPr lang="zh-CN" altLang="en-US" smtClean="0"/>
               <a:t>2024/3/10</a:t>
             </a:fld>
@@ -2075,7 +2075,7 @@
           <p:cNvPr id="3" name="页脚占位符 2">
             <a:extLst>
               <a:ext uri="{FF2B5EF4-FFF2-40B4-BE49-F238E27FC236}">
-                <a16:creationId xmlns:a16="http://schemas.microsoft.com/office/drawing/2014/main" id="{552A88D0-2602-0C89-485F-FAD73E52615C}"/>
+                <a16:creationId xmlns:a16="http://schemas.microsoft.com/office/drawing/2014/main" id="{F4995C8D-A556-CD2B-0306-4A4FFB588F7D}"/>
               </a:ext>
             </a:extLst>
           </p:cNvPr>
@@ -2100,7 +2100,7 @@
           <p:cNvPr id="4" name="灯片编号占位符 3">
             <a:extLst>
               <a:ext uri="{FF2B5EF4-FFF2-40B4-BE49-F238E27FC236}">
-                <a16:creationId xmlns:a16="http://schemas.microsoft.com/office/drawing/2014/main" id="{81894320-5F9F-69A0-456A-5990FDBE1557}"/>
+                <a16:creationId xmlns:a16="http://schemas.microsoft.com/office/drawing/2014/main" id="{84875B2D-DC41-09B4-76AD-4D562D73247A}"/>
               </a:ext>
             </a:extLst>
           </p:cNvPr>
@@ -2116,7 +2116,7 @@
           <a:bodyPr/>
           <a:lstStyle/>
           <a:p>
-            <a:fld id="{C4D7811D-3124-46E6-8EAD-BDF14FECC0F8}" type="slidenum">
+            <a:fld id="{E1AE1891-2D6A-4F36-9CC6-2A6D1F1964A1}" type="slidenum">
               <a:rPr lang="zh-CN" altLang="en-US" smtClean="0"/>
               <a:t>‹#›</a:t>
             </a:fld>
@@ -2127,7 +2127,7 @@
     </p:spTree>
     <p:extLst>
       <p:ext uri="{BB962C8B-B14F-4D97-AF65-F5344CB8AC3E}">
-        <p14:creationId xmlns:p14="http://schemas.microsoft.com/office/powerpoint/2010/main" val="856905255"/>
+        <p14:creationId xmlns:p14="http://schemas.microsoft.com/office/powerpoint/2010/main" val="445217022"/>
       </p:ext>
     </p:extLst>
   </p:cSld>
@@ -2159,7 +2159,7 @@
           <p:cNvPr id="2" name="标题 1">
             <a:extLst>
               <a:ext uri="{FF2B5EF4-FFF2-40B4-BE49-F238E27FC236}">
-                <a16:creationId xmlns:a16="http://schemas.microsoft.com/office/drawing/2014/main" id="{54A860BD-937E-2D7A-50A0-EC7F74F4E4DF}"/>
+                <a16:creationId xmlns:a16="http://schemas.microsoft.com/office/drawing/2014/main" id="{1464C16C-52EA-09D9-AFD1-702F41AB5532}"/>
               </a:ext>
             </a:extLst>
           </p:cNvPr>
@@ -2196,7 +2196,7 @@
           <p:cNvPr id="3" name="内容占位符 2">
             <a:extLst>
               <a:ext uri="{FF2B5EF4-FFF2-40B4-BE49-F238E27FC236}">
-                <a16:creationId xmlns:a16="http://schemas.microsoft.com/office/drawing/2014/main" id="{C34E35F8-7E1E-0E04-C604-8720CFAF9F37}"/>
+                <a16:creationId xmlns:a16="http://schemas.microsoft.com/office/drawing/2014/main" id="{7E93F0FC-9D87-A2A5-76A2-2E90FE6A65EA}"/>
               </a:ext>
             </a:extLst>
           </p:cNvPr>
@@ -2286,7 +2286,7 @@
           <p:cNvPr id="4" name="文本占位符 3">
             <a:extLst>
               <a:ext uri="{FF2B5EF4-FFF2-40B4-BE49-F238E27FC236}">
-                <a16:creationId xmlns:a16="http://schemas.microsoft.com/office/drawing/2014/main" id="{F616484B-3D0F-01F6-4280-E06B06633185}"/>
+                <a16:creationId xmlns:a16="http://schemas.microsoft.com/office/drawing/2014/main" id="{F649F71E-593A-7946-B013-4392B2E29182}"/>
               </a:ext>
             </a:extLst>
           </p:cNvPr>
@@ -2357,7 +2357,7 @@
           <p:cNvPr id="5" name="日期占位符 4">
             <a:extLst>
               <a:ext uri="{FF2B5EF4-FFF2-40B4-BE49-F238E27FC236}">
-                <a16:creationId xmlns:a16="http://schemas.microsoft.com/office/drawing/2014/main" id="{D8749783-23E3-717C-CA30-658B7DCA39D4}"/>
+                <a16:creationId xmlns:a16="http://schemas.microsoft.com/office/drawing/2014/main" id="{8200C39D-3179-72DD-2424-80504DB7F1CD}"/>
               </a:ext>
             </a:extLst>
           </p:cNvPr>
@@ -2373,7 +2373,7 @@
           <a:bodyPr/>
           <a:lstStyle/>
           <a:p>
-            <a:fld id="{833E64B2-55BC-4857-8B2B-9A49999F1F88}" type="datetimeFigureOut">
+            <a:fld id="{FADC7C07-060B-49DE-8F53-2F9446A92542}" type="datetimeFigureOut">
               <a:rPr lang="zh-CN" altLang="en-US" smtClean="0"/>
               <a:t>2024/3/10</a:t>
             </a:fld>
@@ -2386,7 +2386,7 @@
           <p:cNvPr id="6" name="页脚占位符 5">
             <a:extLst>
               <a:ext uri="{FF2B5EF4-FFF2-40B4-BE49-F238E27FC236}">
-                <a16:creationId xmlns:a16="http://schemas.microsoft.com/office/drawing/2014/main" id="{D83DA090-D2C6-73CB-A089-8DDA1240A996}"/>
+                <a16:creationId xmlns:a16="http://schemas.microsoft.com/office/drawing/2014/main" id="{BF52368A-98B8-39E7-EF82-9F118C5C8BF5}"/>
               </a:ext>
             </a:extLst>
           </p:cNvPr>
@@ -2411,7 +2411,7 @@
           <p:cNvPr id="7" name="灯片编号占位符 6">
             <a:extLst>
               <a:ext uri="{FF2B5EF4-FFF2-40B4-BE49-F238E27FC236}">
-                <a16:creationId xmlns:a16="http://schemas.microsoft.com/office/drawing/2014/main" id="{07824B1B-FB63-1BD5-9BCE-2426E035EC37}"/>
+                <a16:creationId xmlns:a16="http://schemas.microsoft.com/office/drawing/2014/main" id="{7DEDCC3E-3C63-FBE4-EAE8-B20B653E8217}"/>
               </a:ext>
             </a:extLst>
           </p:cNvPr>
@@ -2427,7 +2427,7 @@
           <a:bodyPr/>
           <a:lstStyle/>
           <a:p>
-            <a:fld id="{C4D7811D-3124-46E6-8EAD-BDF14FECC0F8}" type="slidenum">
+            <a:fld id="{E1AE1891-2D6A-4F36-9CC6-2A6D1F1964A1}" type="slidenum">
               <a:rPr lang="zh-CN" altLang="en-US" smtClean="0"/>
               <a:t>‹#›</a:t>
             </a:fld>
@@ -2438,7 +2438,7 @@
     </p:spTree>
     <p:extLst>
       <p:ext uri="{BB962C8B-B14F-4D97-AF65-F5344CB8AC3E}">
-        <p14:creationId xmlns:p14="http://schemas.microsoft.com/office/powerpoint/2010/main" val="904392122"/>
+        <p14:creationId xmlns:p14="http://schemas.microsoft.com/office/powerpoint/2010/main" val="1761069964"/>
       </p:ext>
     </p:extLst>
   </p:cSld>
@@ -2470,7 +2470,7 @@
           <p:cNvPr id="2" name="标题 1">
             <a:extLst>
               <a:ext uri="{FF2B5EF4-FFF2-40B4-BE49-F238E27FC236}">
-                <a16:creationId xmlns:a16="http://schemas.microsoft.com/office/drawing/2014/main" id="{F6CACF82-5E86-42DB-FDD0-4296399D3EFF}"/>
+                <a16:creationId xmlns:a16="http://schemas.microsoft.com/office/drawing/2014/main" id="{C2EE4349-2392-1B44-2DFD-8AFE2D93F066}"/>
               </a:ext>
             </a:extLst>
           </p:cNvPr>
@@ -2507,7 +2507,7 @@
           <p:cNvPr id="3" name="图片占位符 2">
             <a:extLst>
               <a:ext uri="{FF2B5EF4-FFF2-40B4-BE49-F238E27FC236}">
-                <a16:creationId xmlns:a16="http://schemas.microsoft.com/office/drawing/2014/main" id="{8EC42074-935F-89D8-91D6-28074ED84F62}"/>
+                <a16:creationId xmlns:a16="http://schemas.microsoft.com/office/drawing/2014/main" id="{EA5AA53E-1FCF-5CEB-4225-90ADC6182A38}"/>
               </a:ext>
             </a:extLst>
           </p:cNvPr>
@@ -2574,7 +2574,7 @@
           <p:cNvPr id="4" name="文本占位符 3">
             <a:extLst>
               <a:ext uri="{FF2B5EF4-FFF2-40B4-BE49-F238E27FC236}">
-                <a16:creationId xmlns:a16="http://schemas.microsoft.com/office/drawing/2014/main" id="{3A38F88F-7CC2-17F4-EDB4-F30D2DBE2BDD}"/>
+                <a16:creationId xmlns:a16="http://schemas.microsoft.com/office/drawing/2014/main" id="{280071C2-D890-AB72-52CD-A3C2673427E6}"/>
               </a:ext>
             </a:extLst>
           </p:cNvPr>
@@ -2645,7 +2645,7 @@
           <p:cNvPr id="5" name="日期占位符 4">
             <a:extLst>
               <a:ext uri="{FF2B5EF4-FFF2-40B4-BE49-F238E27FC236}">
-                <a16:creationId xmlns:a16="http://schemas.microsoft.com/office/drawing/2014/main" id="{855DD66D-6D03-6009-E957-AD0F1F61A828}"/>
+                <a16:creationId xmlns:a16="http://schemas.microsoft.com/office/drawing/2014/main" id="{7B14C5AF-2E26-EDF0-8BE5-0322FEFC7F44}"/>
               </a:ext>
             </a:extLst>
           </p:cNvPr>
@@ -2661,7 +2661,7 @@
           <a:bodyPr/>
           <a:lstStyle/>
           <a:p>
-            <a:fld id="{833E64B2-55BC-4857-8B2B-9A49999F1F88}" type="datetimeFigureOut">
+            <a:fld id="{FADC7C07-060B-49DE-8F53-2F9446A92542}" type="datetimeFigureOut">
               <a:rPr lang="zh-CN" altLang="en-US" smtClean="0"/>
               <a:t>2024/3/10</a:t>
             </a:fld>
@@ -2674,7 +2674,7 @@
           <p:cNvPr id="6" name="页脚占位符 5">
             <a:extLst>
               <a:ext uri="{FF2B5EF4-FFF2-40B4-BE49-F238E27FC236}">
-                <a16:creationId xmlns:a16="http://schemas.microsoft.com/office/drawing/2014/main" id="{2FFE46D3-3746-31AF-B3AA-CAF8193352E7}"/>
+                <a16:creationId xmlns:a16="http://schemas.microsoft.com/office/drawing/2014/main" id="{B414A3A2-3BB3-BC92-3CA4-F95E551D9F9A}"/>
               </a:ext>
             </a:extLst>
           </p:cNvPr>
@@ -2699,7 +2699,7 @@
           <p:cNvPr id="7" name="灯片编号占位符 6">
             <a:extLst>
               <a:ext uri="{FF2B5EF4-FFF2-40B4-BE49-F238E27FC236}">
-                <a16:creationId xmlns:a16="http://schemas.microsoft.com/office/drawing/2014/main" id="{5979DF5A-474B-9382-CB40-968B1BC2F7CC}"/>
+                <a16:creationId xmlns:a16="http://schemas.microsoft.com/office/drawing/2014/main" id="{40199616-7FA2-F0BB-760C-AD0E98C3C9DA}"/>
               </a:ext>
             </a:extLst>
           </p:cNvPr>
@@ -2715,7 +2715,7 @@
           <a:bodyPr/>
           <a:lstStyle/>
           <a:p>
-            <a:fld id="{C4D7811D-3124-46E6-8EAD-BDF14FECC0F8}" type="slidenum">
+            <a:fld id="{E1AE1891-2D6A-4F36-9CC6-2A6D1F1964A1}" type="slidenum">
               <a:rPr lang="zh-CN" altLang="en-US" smtClean="0"/>
               <a:t>‹#›</a:t>
             </a:fld>
@@ -2726,7 +2726,7 @@
     </p:spTree>
     <p:extLst>
       <p:ext uri="{BB962C8B-B14F-4D97-AF65-F5344CB8AC3E}">
-        <p14:creationId xmlns:p14="http://schemas.microsoft.com/office/powerpoint/2010/main" val="2044048547"/>
+        <p14:creationId xmlns:p14="http://schemas.microsoft.com/office/powerpoint/2010/main" val="4237851912"/>
       </p:ext>
     </p:extLst>
   </p:cSld>
@@ -2763,7 +2763,7 @@
           <p:cNvPr id="2" name="标题占位符 1">
             <a:extLst>
               <a:ext uri="{FF2B5EF4-FFF2-40B4-BE49-F238E27FC236}">
-                <a16:creationId xmlns:a16="http://schemas.microsoft.com/office/drawing/2014/main" id="{46587B1C-6D86-D537-E36B-0F1D0474496D}"/>
+                <a16:creationId xmlns:a16="http://schemas.microsoft.com/office/drawing/2014/main" id="{3C234CDF-4ACC-A3BB-D81F-57E03C8E3B3E}"/>
               </a:ext>
             </a:extLst>
           </p:cNvPr>
@@ -2801,7 +2801,7 @@
           <p:cNvPr id="3" name="文本占位符 2">
             <a:extLst>
               <a:ext uri="{FF2B5EF4-FFF2-40B4-BE49-F238E27FC236}">
-                <a16:creationId xmlns:a16="http://schemas.microsoft.com/office/drawing/2014/main" id="{4746C3C6-74DD-AB82-2FDF-F553415EC219}"/>
+                <a16:creationId xmlns:a16="http://schemas.microsoft.com/office/drawing/2014/main" id="{AB13D760-A52E-9FB8-2097-579D134FB763}"/>
               </a:ext>
             </a:extLst>
           </p:cNvPr>
@@ -2868,7 +2868,7 @@
           <p:cNvPr id="4" name="日期占位符 3">
             <a:extLst>
               <a:ext uri="{FF2B5EF4-FFF2-40B4-BE49-F238E27FC236}">
-                <a16:creationId xmlns:a16="http://schemas.microsoft.com/office/drawing/2014/main" id="{C058C098-1EB3-3019-74F8-EA592811C7C4}"/>
+                <a16:creationId xmlns:a16="http://schemas.microsoft.com/office/drawing/2014/main" id="{4C053C5D-369D-62BA-27F8-B571D64ACA25}"/>
               </a:ext>
             </a:extLst>
           </p:cNvPr>
@@ -2902,7 +2902,7 @@
             </a:lvl1pPr>
           </a:lstStyle>
           <a:p>
-            <a:fld id="{833E64B2-55BC-4857-8B2B-9A49999F1F88}" type="datetimeFigureOut">
+            <a:fld id="{FADC7C07-060B-49DE-8F53-2F9446A92542}" type="datetimeFigureOut">
               <a:rPr lang="zh-CN" altLang="en-US" smtClean="0"/>
               <a:t>2024/3/10</a:t>
             </a:fld>
@@ -2915,7 +2915,7 @@
           <p:cNvPr id="5" name="页脚占位符 4">
             <a:extLst>
               <a:ext uri="{FF2B5EF4-FFF2-40B4-BE49-F238E27FC236}">
-                <a16:creationId xmlns:a16="http://schemas.microsoft.com/office/drawing/2014/main" id="{F19F2517-EE1E-BE79-ED1C-79058E813A0F}"/>
+                <a16:creationId xmlns:a16="http://schemas.microsoft.com/office/drawing/2014/main" id="{B25B5904-465E-6806-599C-CBB6A79160AC}"/>
               </a:ext>
             </a:extLst>
           </p:cNvPr>
@@ -2958,7 +2958,7 @@
           <p:cNvPr id="6" name="灯片编号占位符 5">
             <a:extLst>
               <a:ext uri="{FF2B5EF4-FFF2-40B4-BE49-F238E27FC236}">
-                <a16:creationId xmlns:a16="http://schemas.microsoft.com/office/drawing/2014/main" id="{C9E84A23-46D1-7BDE-D3F3-6D454B09A4DB}"/>
+                <a16:creationId xmlns:a16="http://schemas.microsoft.com/office/drawing/2014/main" id="{A323DF4E-C5D5-E4A4-30F3-6B28E77708C0}"/>
               </a:ext>
             </a:extLst>
           </p:cNvPr>
@@ -2992,7 +2992,7 @@
             </a:lvl1pPr>
           </a:lstStyle>
           <a:p>
-            <a:fld id="{C4D7811D-3124-46E6-8EAD-BDF14FECC0F8}" type="slidenum">
+            <a:fld id="{E1AE1891-2D6A-4F36-9CC6-2A6D1F1964A1}" type="slidenum">
               <a:rPr lang="zh-CN" altLang="en-US" smtClean="0"/>
               <a:t>‹#›</a:t>
             </a:fld>
@@ -3003,7 +3003,7 @@
     </p:spTree>
     <p:extLst>
       <p:ext uri="{BB962C8B-B14F-4D97-AF65-F5344CB8AC3E}">
-        <p14:creationId xmlns:p14="http://schemas.microsoft.com/office/powerpoint/2010/main" val="3369490695"/>
+        <p14:creationId xmlns:p14="http://schemas.microsoft.com/office/powerpoint/2010/main" val="611493666"/>
       </p:ext>
     </p:extLst>
   </p:cSld>
@@ -3323,7 +3323,7 @@
       </p:grpSpPr>
       <p:pic>
         <p:nvPicPr>
-          <p:cNvPr id="1318914" name="Picture 2" descr="1287"/>
+          <p:cNvPr id="1319938" name="Picture 2" descr="1288"/>
           <p:cNvPicPr>
             <a:picLocks noChangeAspect="1" noChangeArrowheads="1"/>
           </p:cNvPicPr>
@@ -3344,8 +3344,8 @@
         </p:blipFill>
         <p:spPr bwMode="auto">
           <a:xfrm>
-            <a:off x="1524000" y="1"/>
-            <a:ext cx="9144000" cy="4221163"/>
+            <a:off x="1524000" y="0"/>
+            <a:ext cx="9144000" cy="6237288"/>
           </a:xfrm>
           <a:prstGeom prst="rect">
             <a:avLst/>
